--- a/Telecom_Egypt_RAG_Presentation.pptx
+++ b/Telecom_Egypt_RAG_Presentation.pptx
@@ -9274,7 +9274,7 @@
         </p:blipFill>
         <p:spPr>
           <a:xfrm>
-            <a:off x="3465074" y="2179568"/>
+            <a:off x="3103402" y="2171244"/>
             <a:ext cx="3214688" cy="3214688"/>
           </a:xfrm>
           <a:prstGeom prst="rect">
